--- a/ppt/leaf01-config-path.pptx
+++ b/ppt/leaf01-config-path.pptx
@@ -119,6 +119,105 @@
 
 <file path=ppt/changesInfos/changesInfo1.xml><?xml version="1.0" encoding="utf-8"?>
 <pc:chgInfo xmlns:a="http://schemas.openxmlformats.org/drawingml/2006/main" xmlns:r="http://schemas.openxmlformats.org/officeDocument/2006/relationships" xmlns:ac="http://schemas.microsoft.com/office/drawing/2013/main/command" xmlns:pc="http://schemas.microsoft.com/office/powerpoint/2013/main/command">
+  <pc:docChgLst>
+    <pc:chgData name="Renner, Fred" userId="b7408f4a-70e7-47b2-ae09-4500b8b1a361" providerId="ADAL" clId="{24223367-18F1-444F-8F3C-20EEF37FDEC3}"/>
+    <pc:docChg chg="undo custSel modSld">
+      <pc:chgData name="Renner, Fred" userId="b7408f4a-70e7-47b2-ae09-4500b8b1a361" providerId="ADAL" clId="{24223367-18F1-444F-8F3C-20EEF37FDEC3}" dt="2023-08-03T17:08:24.532" v="7" actId="6549"/>
+      <pc:docMkLst>
+        <pc:docMk/>
+      </pc:docMkLst>
+      <pc:sldChg chg="modSp mod">
+        <pc:chgData name="Renner, Fred" userId="b7408f4a-70e7-47b2-ae09-4500b8b1a361" providerId="ADAL" clId="{24223367-18F1-444F-8F3C-20EEF37FDEC3}" dt="2023-08-03T17:07:58.139" v="0" actId="6549"/>
+        <pc:sldMkLst>
+          <pc:docMk/>
+          <pc:sldMk cId="2906906220" sldId="256"/>
+        </pc:sldMkLst>
+        <pc:spChg chg="mod">
+          <ac:chgData name="Renner, Fred" userId="b7408f4a-70e7-47b2-ae09-4500b8b1a361" providerId="ADAL" clId="{24223367-18F1-444F-8F3C-20EEF37FDEC3}" dt="2023-08-03T17:07:58.139" v="0" actId="6549"/>
+          <ac:spMkLst>
+            <pc:docMk/>
+            <pc:sldMk cId="2906906220" sldId="256"/>
+            <ac:spMk id="4" creationId="{1C0CB83A-5E44-5CFA-8E34-233D65B675BE}"/>
+          </ac:spMkLst>
+        </pc:spChg>
+      </pc:sldChg>
+      <pc:sldChg chg="modSp mod">
+        <pc:chgData name="Renner, Fred" userId="b7408f4a-70e7-47b2-ae09-4500b8b1a361" providerId="ADAL" clId="{24223367-18F1-444F-8F3C-20EEF37FDEC3}" dt="2023-08-03T17:08:24.532" v="7" actId="6549"/>
+        <pc:sldMkLst>
+          <pc:docMk/>
+          <pc:sldMk cId="354261608" sldId="257"/>
+        </pc:sldMkLst>
+        <pc:spChg chg="mod">
+          <ac:chgData name="Renner, Fred" userId="b7408f4a-70e7-47b2-ae09-4500b8b1a361" providerId="ADAL" clId="{24223367-18F1-444F-8F3C-20EEF37FDEC3}" dt="2023-08-03T17:08:24.532" v="7" actId="6549"/>
+          <ac:spMkLst>
+            <pc:docMk/>
+            <pc:sldMk cId="354261608" sldId="257"/>
+            <ac:spMk id="4" creationId="{1C0CB83A-5E44-5CFA-8E34-233D65B675BE}"/>
+          </ac:spMkLst>
+        </pc:spChg>
+      </pc:sldChg>
+      <pc:sldChg chg="modSp mod">
+        <pc:chgData name="Renner, Fred" userId="b7408f4a-70e7-47b2-ae09-4500b8b1a361" providerId="ADAL" clId="{24223367-18F1-444F-8F3C-20EEF37FDEC3}" dt="2023-08-03T17:08:06.240" v="3" actId="6549"/>
+        <pc:sldMkLst>
+          <pc:docMk/>
+          <pc:sldMk cId="3602361408" sldId="258"/>
+        </pc:sldMkLst>
+        <pc:spChg chg="mod">
+          <ac:chgData name="Renner, Fred" userId="b7408f4a-70e7-47b2-ae09-4500b8b1a361" providerId="ADAL" clId="{24223367-18F1-444F-8F3C-20EEF37FDEC3}" dt="2023-08-03T17:08:06.240" v="3" actId="6549"/>
+          <ac:spMkLst>
+            <pc:docMk/>
+            <pc:sldMk cId="3602361408" sldId="258"/>
+            <ac:spMk id="4" creationId="{1C0CB83A-5E44-5CFA-8E34-233D65B675BE}"/>
+          </ac:spMkLst>
+        </pc:spChg>
+      </pc:sldChg>
+      <pc:sldChg chg="modSp mod">
+        <pc:chgData name="Renner, Fred" userId="b7408f4a-70e7-47b2-ae09-4500b8b1a361" providerId="ADAL" clId="{24223367-18F1-444F-8F3C-20EEF37FDEC3}" dt="2023-08-03T17:08:10.299" v="4" actId="6549"/>
+        <pc:sldMkLst>
+          <pc:docMk/>
+          <pc:sldMk cId="1490085841" sldId="259"/>
+        </pc:sldMkLst>
+        <pc:spChg chg="mod">
+          <ac:chgData name="Renner, Fred" userId="b7408f4a-70e7-47b2-ae09-4500b8b1a361" providerId="ADAL" clId="{24223367-18F1-444F-8F3C-20EEF37FDEC3}" dt="2023-08-03T17:08:10.299" v="4" actId="6549"/>
+          <ac:spMkLst>
+            <pc:docMk/>
+            <pc:sldMk cId="1490085841" sldId="259"/>
+            <ac:spMk id="4" creationId="{1C0CB83A-5E44-5CFA-8E34-233D65B675BE}"/>
+          </ac:spMkLst>
+        </pc:spChg>
+      </pc:sldChg>
+      <pc:sldChg chg="modSp mod">
+        <pc:chgData name="Renner, Fred" userId="b7408f4a-70e7-47b2-ae09-4500b8b1a361" providerId="ADAL" clId="{24223367-18F1-444F-8F3C-20EEF37FDEC3}" dt="2023-08-03T17:08:14.247" v="5" actId="6549"/>
+        <pc:sldMkLst>
+          <pc:docMk/>
+          <pc:sldMk cId="962954661" sldId="260"/>
+        </pc:sldMkLst>
+        <pc:spChg chg="mod">
+          <ac:chgData name="Renner, Fred" userId="b7408f4a-70e7-47b2-ae09-4500b8b1a361" providerId="ADAL" clId="{24223367-18F1-444F-8F3C-20EEF37FDEC3}" dt="2023-08-03T17:08:14.247" v="5" actId="6549"/>
+          <ac:spMkLst>
+            <pc:docMk/>
+            <pc:sldMk cId="962954661" sldId="260"/>
+            <ac:spMk id="4" creationId="{1C0CB83A-5E44-5CFA-8E34-233D65B675BE}"/>
+          </ac:spMkLst>
+        </pc:spChg>
+      </pc:sldChg>
+      <pc:sldChg chg="modSp mod">
+        <pc:chgData name="Renner, Fred" userId="b7408f4a-70e7-47b2-ae09-4500b8b1a361" providerId="ADAL" clId="{24223367-18F1-444F-8F3C-20EEF37FDEC3}" dt="2023-08-03T17:08:19.500" v="6" actId="6549"/>
+        <pc:sldMkLst>
+          <pc:docMk/>
+          <pc:sldMk cId="1680832055" sldId="261"/>
+        </pc:sldMkLst>
+        <pc:spChg chg="mod">
+          <ac:chgData name="Renner, Fred" userId="b7408f4a-70e7-47b2-ae09-4500b8b1a361" providerId="ADAL" clId="{24223367-18F1-444F-8F3C-20EEF37FDEC3}" dt="2023-08-03T17:08:19.500" v="6" actId="6549"/>
+          <ac:spMkLst>
+            <pc:docMk/>
+            <pc:sldMk cId="1680832055" sldId="261"/>
+            <ac:spMk id="4" creationId="{1C0CB83A-5E44-5CFA-8E34-233D65B675BE}"/>
+          </ac:spMkLst>
+        </pc:spChg>
+      </pc:sldChg>
+    </pc:docChg>
+  </pc:docChgLst>
   <pc:docChgLst>
     <pc:chgData name="Renner, Fred" userId="b7408f4a-70e7-47b2-ae09-4500b8b1a361" providerId="ADAL" clId="{D643BADE-71BB-4949-9800-C23B510B2506}"/>
     <pc:docChg chg="undo redo custSel addSld delSld modSld">
@@ -518,7 +617,7 @@
           <a:p>
             <a:fld id="{662C72DE-6C3D-9947-AF05-F77BFC58A26F}" type="datetimeFigureOut">
               <a:rPr lang="en-US" smtClean="0"/>
-              <a:t>7/31/23</a:t>
+              <a:t>8/3/23</a:t>
             </a:fld>
             <a:endParaRPr lang="en-US"/>
           </a:p>
@@ -716,7 +815,7 @@
           <a:p>
             <a:fld id="{662C72DE-6C3D-9947-AF05-F77BFC58A26F}" type="datetimeFigureOut">
               <a:rPr lang="en-US" smtClean="0"/>
-              <a:t>7/31/23</a:t>
+              <a:t>8/3/23</a:t>
             </a:fld>
             <a:endParaRPr lang="en-US"/>
           </a:p>
@@ -924,7 +1023,7 @@
           <a:p>
             <a:fld id="{662C72DE-6C3D-9947-AF05-F77BFC58A26F}" type="datetimeFigureOut">
               <a:rPr lang="en-US" smtClean="0"/>
-              <a:t>7/31/23</a:t>
+              <a:t>8/3/23</a:t>
             </a:fld>
             <a:endParaRPr lang="en-US"/>
           </a:p>
@@ -1122,7 +1221,7 @@
           <a:p>
             <a:fld id="{662C72DE-6C3D-9947-AF05-F77BFC58A26F}" type="datetimeFigureOut">
               <a:rPr lang="en-US" smtClean="0"/>
-              <a:t>7/31/23</a:t>
+              <a:t>8/3/23</a:t>
             </a:fld>
             <a:endParaRPr lang="en-US"/>
           </a:p>
@@ -1397,7 +1496,7 @@
           <a:p>
             <a:fld id="{662C72DE-6C3D-9947-AF05-F77BFC58A26F}" type="datetimeFigureOut">
               <a:rPr lang="en-US" smtClean="0"/>
-              <a:t>7/31/23</a:t>
+              <a:t>8/3/23</a:t>
             </a:fld>
             <a:endParaRPr lang="en-US"/>
           </a:p>
@@ -1662,7 +1761,7 @@
           <a:p>
             <a:fld id="{662C72DE-6C3D-9947-AF05-F77BFC58A26F}" type="datetimeFigureOut">
               <a:rPr lang="en-US" smtClean="0"/>
-              <a:t>7/31/23</a:t>
+              <a:t>8/3/23</a:t>
             </a:fld>
             <a:endParaRPr lang="en-US"/>
           </a:p>
@@ -2074,7 +2173,7 @@
           <a:p>
             <a:fld id="{662C72DE-6C3D-9947-AF05-F77BFC58A26F}" type="datetimeFigureOut">
               <a:rPr lang="en-US" smtClean="0"/>
-              <a:t>7/31/23</a:t>
+              <a:t>8/3/23</a:t>
             </a:fld>
             <a:endParaRPr lang="en-US"/>
           </a:p>
@@ -2215,7 +2314,7 @@
           <a:p>
             <a:fld id="{662C72DE-6C3D-9947-AF05-F77BFC58A26F}" type="datetimeFigureOut">
               <a:rPr lang="en-US" smtClean="0"/>
-              <a:t>7/31/23</a:t>
+              <a:t>8/3/23</a:t>
             </a:fld>
             <a:endParaRPr lang="en-US"/>
           </a:p>
@@ -2328,7 +2427,7 @@
           <a:p>
             <a:fld id="{662C72DE-6C3D-9947-AF05-F77BFC58A26F}" type="datetimeFigureOut">
               <a:rPr lang="en-US" smtClean="0"/>
-              <a:t>7/31/23</a:t>
+              <a:t>8/3/23</a:t>
             </a:fld>
             <a:endParaRPr lang="en-US"/>
           </a:p>
@@ -2639,7 +2738,7 @@
           <a:p>
             <a:fld id="{662C72DE-6C3D-9947-AF05-F77BFC58A26F}" type="datetimeFigureOut">
               <a:rPr lang="en-US" smtClean="0"/>
-              <a:t>7/31/23</a:t>
+              <a:t>8/3/23</a:t>
             </a:fld>
             <a:endParaRPr lang="en-US"/>
           </a:p>
@@ -2927,7 +3026,7 @@
           <a:p>
             <a:fld id="{662C72DE-6C3D-9947-AF05-F77BFC58A26F}" type="datetimeFigureOut">
               <a:rPr lang="en-US" smtClean="0"/>
-              <a:t>7/31/23</a:t>
+              <a:t>8/3/23</a:t>
             </a:fld>
             <a:endParaRPr lang="en-US"/>
           </a:p>
@@ -3168,7 +3267,7 @@
           <a:p>
             <a:fld id="{662C72DE-6C3D-9947-AF05-F77BFC58A26F}" type="datetimeFigureOut">
               <a:rPr lang="en-US" smtClean="0"/>
-              <a:t>7/31/23</a:t>
+              <a:t>8/3/23</a:t>
             </a:fld>
             <a:endParaRPr lang="en-US"/>
           </a:p>
@@ -3788,38 +3887,6 @@
           </a:p>
           <a:p>
             <a:r>
-              <a:rPr lang="en-US" sz="800" dirty="0">
-                <a:solidFill>
-                  <a:schemeClr val="bg1">
-                    <a:lumMod val="85000"/>
-                  </a:schemeClr>
-                </a:solidFill>
-              </a:rPr>
-              <a:t>no spanning-tree </a:t>
-            </a:r>
-            <a:r>
-              <a:rPr lang="en-US" sz="800" dirty="0" err="1">
-                <a:solidFill>
-                  <a:schemeClr val="bg1">
-                    <a:lumMod val="85000"/>
-                  </a:schemeClr>
-                </a:solidFill>
-              </a:rPr>
-              <a:t>vlan</a:t>
-            </a:r>
-            <a:r>
-              <a:rPr lang="en-US" sz="800" dirty="0">
-                <a:solidFill>
-                  <a:schemeClr val="bg1">
-                    <a:lumMod val="85000"/>
-                  </a:schemeClr>
-                </a:solidFill>
-              </a:rPr>
-              <a:t>-id 4092</a:t>
-            </a:r>
-          </a:p>
-          <a:p>
-            <a:r>
               <a:rPr lang="en-US" sz="800" dirty="0"/>
               <a:t>!</a:t>
             </a:r>
@@ -5775,38 +5842,6 @@
           </a:p>
           <a:p>
             <a:r>
-              <a:rPr lang="en-US" sz="800" dirty="0">
-                <a:solidFill>
-                  <a:schemeClr val="bg2">
-                    <a:lumMod val="90000"/>
-                  </a:schemeClr>
-                </a:solidFill>
-              </a:rPr>
-              <a:t>no spanning-tree </a:t>
-            </a:r>
-            <a:r>
-              <a:rPr lang="en-US" sz="800" dirty="0" err="1">
-                <a:solidFill>
-                  <a:schemeClr val="bg2">
-                    <a:lumMod val="90000"/>
-                  </a:schemeClr>
-                </a:solidFill>
-              </a:rPr>
-              <a:t>vlan</a:t>
-            </a:r>
-            <a:r>
-              <a:rPr lang="en-US" sz="800" dirty="0">
-                <a:solidFill>
-                  <a:schemeClr val="bg2">
-                    <a:lumMod val="90000"/>
-                  </a:schemeClr>
-                </a:solidFill>
-              </a:rPr>
-              <a:t>-id 4092</a:t>
-            </a:r>
-          </a:p>
-          <a:p>
-            <a:r>
               <a:rPr lang="en-US" sz="800" dirty="0"/>
               <a:t>!</a:t>
             </a:r>
@@ -7774,38 +7809,6 @@
           </a:p>
           <a:p>
             <a:r>
-              <a:rPr lang="en-US" sz="800" dirty="0">
-                <a:solidFill>
-                  <a:schemeClr val="accent2">
-                    <a:lumMod val="75000"/>
-                  </a:schemeClr>
-                </a:solidFill>
-              </a:rPr>
-              <a:t>no spanning-tree </a:t>
-            </a:r>
-            <a:r>
-              <a:rPr lang="en-US" sz="800" dirty="0" err="1">
-                <a:solidFill>
-                  <a:schemeClr val="accent2">
-                    <a:lumMod val="75000"/>
-                  </a:schemeClr>
-                </a:solidFill>
-              </a:rPr>
-              <a:t>vlan</a:t>
-            </a:r>
-            <a:r>
-              <a:rPr lang="en-US" sz="800" dirty="0">
-                <a:solidFill>
-                  <a:schemeClr val="accent2">
-                    <a:lumMod val="75000"/>
-                  </a:schemeClr>
-                </a:solidFill>
-              </a:rPr>
-              <a:t>-id 4092</a:t>
-            </a:r>
-          </a:p>
-          <a:p>
-            <a:r>
               <a:rPr lang="en-US" sz="800" dirty="0"/>
               <a:t>!</a:t>
             </a:r>
@@ -9773,38 +9776,6 @@
           </a:p>
           <a:p>
             <a:r>
-              <a:rPr lang="en-US" sz="800" dirty="0">
-                <a:solidFill>
-                  <a:schemeClr val="accent2">
-                    <a:lumMod val="75000"/>
-                  </a:schemeClr>
-                </a:solidFill>
-              </a:rPr>
-              <a:t>no spanning-tree </a:t>
-            </a:r>
-            <a:r>
-              <a:rPr lang="en-US" sz="800" dirty="0" err="1">
-                <a:solidFill>
-                  <a:schemeClr val="accent2">
-                    <a:lumMod val="75000"/>
-                  </a:schemeClr>
-                </a:solidFill>
-              </a:rPr>
-              <a:t>vlan</a:t>
-            </a:r>
-            <a:r>
-              <a:rPr lang="en-US" sz="800" dirty="0">
-                <a:solidFill>
-                  <a:schemeClr val="accent2">
-                    <a:lumMod val="75000"/>
-                  </a:schemeClr>
-                </a:solidFill>
-              </a:rPr>
-              <a:t>-id 4092</a:t>
-            </a:r>
-          </a:p>
-          <a:p>
-            <a:r>
               <a:rPr lang="en-US" sz="800" dirty="0"/>
               <a:t>!</a:t>
             </a:r>
@@ -11726,38 +11697,6 @@
           </a:p>
           <a:p>
             <a:r>
-              <a:rPr lang="en-US" sz="800" dirty="0">
-                <a:solidFill>
-                  <a:schemeClr val="accent2">
-                    <a:lumMod val="75000"/>
-                  </a:schemeClr>
-                </a:solidFill>
-              </a:rPr>
-              <a:t>no spanning-tree </a:t>
-            </a:r>
-            <a:r>
-              <a:rPr lang="en-US" sz="800" dirty="0" err="1">
-                <a:solidFill>
-                  <a:schemeClr val="accent2">
-                    <a:lumMod val="75000"/>
-                  </a:schemeClr>
-                </a:solidFill>
-              </a:rPr>
-              <a:t>vlan</a:t>
-            </a:r>
-            <a:r>
-              <a:rPr lang="en-US" sz="800" dirty="0">
-                <a:solidFill>
-                  <a:schemeClr val="accent2">
-                    <a:lumMod val="75000"/>
-                  </a:schemeClr>
-                </a:solidFill>
-              </a:rPr>
-              <a:t>-id 4092</a:t>
-            </a:r>
-          </a:p>
-          <a:p>
-            <a:r>
               <a:rPr lang="en-US" sz="800" dirty="0"/>
               <a:t>!</a:t>
             </a:r>
@@ -13630,20 +13569,6 @@
               <a:t>mstp</a:t>
             </a:r>
             <a:endParaRPr lang="en-US" sz="800" dirty="0"/>
-          </a:p>
-          <a:p>
-            <a:r>
-              <a:rPr lang="en-US" sz="800" dirty="0"/>
-              <a:t>no spanning-tree </a:t>
-            </a:r>
-            <a:r>
-              <a:rPr lang="en-US" sz="800" dirty="0" err="1"/>
-              <a:t>vlan</a:t>
-            </a:r>
-            <a:r>
-              <a:rPr lang="en-US" sz="800" dirty="0"/>
-              <a:t>-id 4092</a:t>
-            </a:r>
           </a:p>
           <a:p>
             <a:r>
